--- a/presentations/03 - TDD e Clean Code - Intro.pptx
+++ b/presentations/03 - TDD e Clean Code - Intro.pptx
@@ -232,7 +232,7 @@
             <a:fld id="{9DEF996C-CA2C-436E-A903-7F2E7C68ADF8}" type="datetimeFigureOut">
               <a:rPr lang="en-US" smtClean="0"/>
               <a:pPr/>
-              <a:t>7/7/2020</a:t>
+              <a:t>7/13/2020</a:t>
             </a:fld>
             <a:endParaRPr lang="en-US"/>
           </a:p>
@@ -399,7 +399,7 @@
             <a:fld id="{56D6514A-F4CA-40F5-B508-6CC5FEA6DD64}" type="datetimeFigureOut">
               <a:rPr lang="en-US" smtClean="0"/>
               <a:pPr/>
-              <a:t>7/7/2020</a:t>
+              <a:t>7/13/2020</a:t>
             </a:fld>
             <a:endParaRPr lang="en-US"/>
           </a:p>
@@ -859,7 +859,7 @@
           <a:p>
             <a:fld id="{0A0255A0-EE2B-6E49-A611-C16850102233}" type="datetimeFigureOut">
               <a:rPr lang="en-US" smtClean="0"/>
-              <a:t>7/7/2020</a:t>
+              <a:t>7/13/2020</a:t>
             </a:fld>
             <a:endParaRPr lang="en-US"/>
           </a:p>
@@ -1053,7 +1053,7 @@
           <a:p>
             <a:fld id="{0A0255A0-EE2B-6E49-A611-C16850102233}" type="datetimeFigureOut">
               <a:rPr lang="en-US" smtClean="0"/>
-              <a:t>7/7/2020</a:t>
+              <a:t>7/13/2020</a:t>
             </a:fld>
             <a:endParaRPr lang="en-US"/>
           </a:p>
@@ -1257,7 +1257,7 @@
           <a:p>
             <a:fld id="{0A0255A0-EE2B-6E49-A611-C16850102233}" type="datetimeFigureOut">
               <a:rPr lang="en-US" smtClean="0"/>
-              <a:t>7/7/2020</a:t>
+              <a:t>7/13/2020</a:t>
             </a:fld>
             <a:endParaRPr lang="en-US"/>
           </a:p>
@@ -3263,7 +3263,7 @@
           <a:p>
             <a:fld id="{0A0255A0-EE2B-6E49-A611-C16850102233}" type="datetimeFigureOut">
               <a:rPr lang="en-US" smtClean="0"/>
-              <a:t>7/7/2020</a:t>
+              <a:t>7/13/2020</a:t>
             </a:fld>
             <a:endParaRPr lang="en-US"/>
           </a:p>
@@ -3533,7 +3533,7 @@
           <a:p>
             <a:fld id="{0A0255A0-EE2B-6E49-A611-C16850102233}" type="datetimeFigureOut">
               <a:rPr lang="en-US" smtClean="0"/>
-              <a:t>7/7/2020</a:t>
+              <a:t>7/13/2020</a:t>
             </a:fld>
             <a:endParaRPr lang="en-US"/>
           </a:p>
@@ -3845,7 +3845,7 @@
           <a:p>
             <a:fld id="{0A0255A0-EE2B-6E49-A611-C16850102233}" type="datetimeFigureOut">
               <a:rPr lang="en-US" smtClean="0"/>
-              <a:t>7/7/2020</a:t>
+              <a:t>7/13/2020</a:t>
             </a:fld>
             <a:endParaRPr lang="en-US"/>
           </a:p>
@@ -4291,7 +4291,7 @@
           <a:p>
             <a:fld id="{0A0255A0-EE2B-6E49-A611-C16850102233}" type="datetimeFigureOut">
               <a:rPr lang="en-US" smtClean="0"/>
-              <a:t>7/7/2020</a:t>
+              <a:t>7/13/2020</a:t>
             </a:fld>
             <a:endParaRPr lang="en-US"/>
           </a:p>
@@ -4433,7 +4433,7 @@
           <a:p>
             <a:fld id="{0A0255A0-EE2B-6E49-A611-C16850102233}" type="datetimeFigureOut">
               <a:rPr lang="en-US" smtClean="0"/>
-              <a:t>7/7/2020</a:t>
+              <a:t>7/13/2020</a:t>
             </a:fld>
             <a:endParaRPr lang="en-US"/>
           </a:p>
@@ -4552,7 +4552,7 @@
           <a:p>
             <a:fld id="{0A0255A0-EE2B-6E49-A611-C16850102233}" type="datetimeFigureOut">
               <a:rPr lang="en-US" smtClean="0"/>
-              <a:t>7/7/2020</a:t>
+              <a:t>7/13/2020</a:t>
             </a:fld>
             <a:endParaRPr lang="en-US"/>
           </a:p>
@@ -4853,7 +4853,7 @@
           <a:p>
             <a:fld id="{0A0255A0-EE2B-6E49-A611-C16850102233}" type="datetimeFigureOut">
               <a:rPr lang="en-US" smtClean="0"/>
-              <a:t>7/7/2020</a:t>
+              <a:t>7/13/2020</a:t>
             </a:fld>
             <a:endParaRPr lang="en-US"/>
           </a:p>
@@ -5130,7 +5130,7 @@
           <a:p>
             <a:fld id="{0A0255A0-EE2B-6E49-A611-C16850102233}" type="datetimeFigureOut">
               <a:rPr lang="en-US" smtClean="0"/>
-              <a:t>7/7/2020</a:t>
+              <a:t>7/13/2020</a:t>
             </a:fld>
             <a:endParaRPr lang="en-US"/>
           </a:p>
@@ -7361,23 +7361,7 @@
                 <a:latin typeface="Segoe UI" panose="020B0502040204020203" pitchFamily="34" charset="0"/>
                 <a:cs typeface="Segoe UI" panose="020B0502040204020203" pitchFamily="34" charset="0"/>
               </a:rPr>
-              <a:t>prestador-paulo.kolbe@b3.com.br/</a:t>
-            </a:r>
-            <a:br>
-              <a:rPr lang="pt-BR" sz="2000" dirty="0">
-                <a:latin typeface="Segoe UI" panose="020B0502040204020203" pitchFamily="34" charset="0"/>
-                <a:cs typeface="Segoe UI" panose="020B0502040204020203" pitchFamily="34" charset="0"/>
-              </a:rPr>
-            </a:br>
-            <a:r>
-              <a:rPr lang="pt-BR" sz="2000" dirty="0">
-                <a:solidFill>
-                  <a:schemeClr val="accent1"/>
-                </a:solidFill>
-                <a:latin typeface="Segoe UI" panose="020B0502040204020203" pitchFamily="34" charset="0"/>
-                <a:cs typeface="Segoe UI" panose="020B0502040204020203" pitchFamily="34" charset="0"/>
-              </a:rPr>
-              <a:t>paulo.kolbe@gft.com</a:t>
+              <a:t>lace@b3.com.br</a:t>
             </a:r>
           </a:p>
         </p:txBody>
@@ -9888,6 +9872,15 @@
 </file>
 
 <file path=customXml/item1.xml><?xml version="1.0" encoding="utf-8"?>
+<p:properties xmlns:p="http://schemas.microsoft.com/office/2006/metadata/properties" xmlns:xsi="http://www.w3.org/2001/XMLSchema-instance" xmlns:pc="http://schemas.microsoft.com/office/infopath/2007/PartnerControls">
+  <documentManagement>
+    <PublishingExpirationDate xmlns="http://schemas.microsoft.com/sharepoint/v3" xsi:nil="true"/>
+    <PublishingStartDate xmlns="http://schemas.microsoft.com/sharepoint/v3" xsi:nil="true"/>
+  </documentManagement>
+</p:properties>
+</file>
+
+<file path=customXml/item2.xml><?xml version="1.0" encoding="utf-8"?>
 <ct:contentTypeSchema xmlns:ct="http://schemas.microsoft.com/office/2006/metadata/contentType" xmlns:ma="http://schemas.microsoft.com/office/2006/metadata/properties/metaAttributes" ct:_="" ma:_="" ma:contentTypeName="Documento" ma:contentTypeID="0x0101001996EFEF7D0459479C2B077F9CC506F4" ma:contentTypeVersion="10" ma:contentTypeDescription="Crie um novo documento." ma:contentTypeScope="" ma:versionID="43cd10b64f265b7dd32059be640333a9">
   <xsd:schema xmlns:xsd="http://www.w3.org/2001/XMLSchema" xmlns:xs="http://www.w3.org/2001/XMLSchema" xmlns:p="http://schemas.microsoft.com/office/2006/metadata/properties" xmlns:ns1="http://schemas.microsoft.com/sharepoint/v3" xmlns:ns2="80facd6c-f04a-426f-adbd-b3840a7840bd" xmlns:ns3="d33496c5-bd94-446e-a363-fca1fec0d15a" targetNamespace="http://schemas.microsoft.com/office/2006/metadata/properties" ma:root="true" ma:fieldsID="0d6b128c5ce9545d0d2912f9a975af95" ns1:_="" ns2:_="" ns3:_="">
     <xsd:import namespace="http://schemas.microsoft.com/sharepoint/v3"/>
@@ -10101,15 +10094,6 @@
 </ct:contentTypeSchema>
 </file>
 
-<file path=customXml/item2.xml><?xml version="1.0" encoding="utf-8"?>
-<p:properties xmlns:p="http://schemas.microsoft.com/office/2006/metadata/properties" xmlns:xsi="http://www.w3.org/2001/XMLSchema-instance" xmlns:pc="http://schemas.microsoft.com/office/infopath/2007/PartnerControls">
-  <documentManagement>
-    <PublishingExpirationDate xmlns="http://schemas.microsoft.com/sharepoint/v3" xsi:nil="true"/>
-    <PublishingStartDate xmlns="http://schemas.microsoft.com/sharepoint/v3" xsi:nil="true"/>
-  </documentManagement>
-</p:properties>
-</file>
-
 <file path=customXml/item3.xml><?xml version="1.0" encoding="utf-8"?>
 <?mso-contentType ?>
 <FormTemplates xmlns="http://schemas.microsoft.com/sharepoint/v3/contenttype/forms">
@@ -10120,6 +10104,16 @@
 </file>
 
 <file path=customXml/itemProps1.xml><?xml version="1.0" encoding="utf-8"?>
+<ds:datastoreItem xmlns:ds="http://schemas.openxmlformats.org/officeDocument/2006/customXml" ds:itemID="{BEF3FD83-2601-46A9-AA9B-655B326F1C5E}">
+  <ds:schemaRefs>
+    <ds:schemaRef ds:uri="http://schemas.microsoft.com/office/2006/metadata/properties"/>
+    <ds:schemaRef ds:uri="http://schemas.microsoft.com/office/infopath/2007/PartnerControls"/>
+    <ds:schemaRef ds:uri="http://schemas.microsoft.com/sharepoint/v3"/>
+  </ds:schemaRefs>
+</ds:datastoreItem>
+</file>
+
+<file path=customXml/itemProps2.xml><?xml version="1.0" encoding="utf-8"?>
 <ds:datastoreItem xmlns:ds="http://schemas.openxmlformats.org/officeDocument/2006/customXml" ds:itemID="{AB30B8D0-9C02-4061-951A-8B7B3A86F5B0}">
   <ds:schemaRefs>
     <ds:schemaRef ds:uri="http://schemas.microsoft.com/office/2006/metadata/contentType"/>
@@ -10139,16 +10133,6 @@
 </ds:datastoreItem>
 </file>
 
-<file path=customXml/itemProps2.xml><?xml version="1.0" encoding="utf-8"?>
-<ds:datastoreItem xmlns:ds="http://schemas.openxmlformats.org/officeDocument/2006/customXml" ds:itemID="{BEF3FD83-2601-46A9-AA9B-655B326F1C5E}">
-  <ds:schemaRefs>
-    <ds:schemaRef ds:uri="http://schemas.microsoft.com/office/2006/metadata/properties"/>
-    <ds:schemaRef ds:uri="http://schemas.microsoft.com/office/infopath/2007/PartnerControls"/>
-    <ds:schemaRef ds:uri="http://schemas.microsoft.com/sharepoint/v3"/>
-  </ds:schemaRefs>
-</ds:datastoreItem>
-</file>
-
 <file path=customXml/itemProps3.xml><?xml version="1.0" encoding="utf-8"?>
 <ds:datastoreItem xmlns:ds="http://schemas.openxmlformats.org/officeDocument/2006/customXml" ds:itemID="{98DACE87-CD74-4C35-ADF8-12B4276F2F66}">
   <ds:schemaRefs>
